--- a/Documentation/Sheets/BS42_les 1.pptx
+++ b/Documentation/Sheets/BS42_les 1.pptx
@@ -145,6 +145,22 @@
       </a:defRPr>
     </a:lvl9pPr>
   </p:defaultTextStyle>
+  <p:extLst>
+    <p:ext uri="{EFAFB233-063F-42B5-8137-9DF3F51BA10A}">
+      <p15:sldGuideLst xmlns:p15="http://schemas.microsoft.com/office/powerpoint/2012/main">
+        <p15:guide id="1" orient="horz" pos="2160">
+          <p15:clr>
+            <a:srgbClr val="A4A3A4"/>
+          </p15:clr>
+        </p15:guide>
+        <p15:guide id="2" pos="2880">
+          <p15:clr>
+            <a:srgbClr val="A4A3A4"/>
+          </p15:clr>
+        </p15:guide>
+      </p15:sldGuideLst>
+    </p:ext>
+  </p:extLst>
 </p:presentation>
 </file>
 
@@ -230,7 +246,7 @@
           <a:p>
             <a:fld id="{A40176ED-1A7A-41F0-BF9F-2E11CD6E5CF9}" type="datetimeFigureOut">
               <a:rPr lang="nl-NL" smtClean="0"/>
-              <a:t>12-11-2013</a:t>
+              <a:t>2014-12-01</a:t>
             </a:fld>
             <a:endParaRPr lang="nl-NL"/>
           </a:p>
@@ -389,7 +405,7 @@
           <a:p>
             <a:fld id="{6695F4A0-794F-4794-A846-BFEB11C49BFF}" type="slidenum">
               <a:rPr lang="nl-NL" smtClean="0"/>
-              <a:t>‹nr.›</a:t>
+              <a:t>‹#›</a:t>
             </a:fld>
             <a:endParaRPr lang="nl-NL"/>
           </a:p>
@@ -994,6 +1010,11 @@
         </p:txBody>
       </p:sp>
     </p:spTree>
+    <p:extLst>
+      <p:ext uri="{BB962C8B-B14F-4D97-AF65-F5344CB8AC3E}">
+        <p14:creationId xmlns:p14="http://schemas.microsoft.com/office/powerpoint/2010/main" val="3429836635"/>
+      </p:ext>
+    </p:extLst>
   </p:cSld>
   <p:clrMapOvr>
     <a:masterClrMapping/>
@@ -1497,6 +1518,11 @@
         </p:txBody>
       </p:sp>
     </p:spTree>
+    <p:extLst>
+      <p:ext uri="{BB962C8B-B14F-4D97-AF65-F5344CB8AC3E}">
+        <p14:creationId xmlns:p14="http://schemas.microsoft.com/office/powerpoint/2010/main" val="74592428"/>
+      </p:ext>
+    </p:extLst>
   </p:cSld>
   <p:clrMapOvr>
     <a:masterClrMapping/>
@@ -1678,7 +1704,7 @@
             <a:fld id="{1D8BD707-D9CF-40AE-B4C6-C98DA3205C09}" type="datetimeFigureOut">
               <a:rPr lang="en-US" smtClean="0"/>
               <a:pPr/>
-              <a:t>11/12/2013</a:t>
+              <a:t>12/1/2014</a:t>
             </a:fld>
             <a:endParaRPr lang="en-US"/>
           </a:p>
@@ -1721,7 +1747,7 @@
             <a:fld id="{B6F15528-21DE-4FAA-801E-634DDDAF4B2B}" type="slidenum">
               <a:rPr lang="en-US" smtClean="0"/>
               <a:pPr/>
-              <a:t>‹nr.›</a:t>
+              <a:t>‹#›</a:t>
             </a:fld>
             <a:endParaRPr lang="en-US"/>
           </a:p>
@@ -1845,7 +1871,7 @@
             <a:fld id="{1D8BD707-D9CF-40AE-B4C6-C98DA3205C09}" type="datetimeFigureOut">
               <a:rPr lang="en-US" smtClean="0"/>
               <a:pPr/>
-              <a:t>11/12/2013</a:t>
+              <a:t>12/1/2014</a:t>
             </a:fld>
             <a:endParaRPr lang="en-US"/>
           </a:p>
@@ -1888,7 +1914,7 @@
             <a:fld id="{B6F15528-21DE-4FAA-801E-634DDDAF4B2B}" type="slidenum">
               <a:rPr lang="en-US" smtClean="0"/>
               <a:pPr/>
-              <a:t>‹nr.›</a:t>
+              <a:t>‹#›</a:t>
             </a:fld>
             <a:endParaRPr lang="en-US"/>
           </a:p>
@@ -2022,7 +2048,7 @@
             <a:fld id="{1D8BD707-D9CF-40AE-B4C6-C98DA3205C09}" type="datetimeFigureOut">
               <a:rPr lang="en-US" smtClean="0"/>
               <a:pPr/>
-              <a:t>11/12/2013</a:t>
+              <a:t>12/1/2014</a:t>
             </a:fld>
             <a:endParaRPr lang="en-US"/>
           </a:p>
@@ -2065,7 +2091,7 @@
             <a:fld id="{B6F15528-21DE-4FAA-801E-634DDDAF4B2B}" type="slidenum">
               <a:rPr lang="en-US" smtClean="0"/>
               <a:pPr/>
-              <a:t>‹nr.›</a:t>
+              <a:t>‹#›</a:t>
             </a:fld>
             <a:endParaRPr lang="en-US"/>
           </a:p>
@@ -2189,7 +2215,7 @@
             <a:fld id="{1D8BD707-D9CF-40AE-B4C6-C98DA3205C09}" type="datetimeFigureOut">
               <a:rPr lang="en-US" smtClean="0"/>
               <a:pPr/>
-              <a:t>11/12/2013</a:t>
+              <a:t>12/1/2014</a:t>
             </a:fld>
             <a:endParaRPr lang="en-US"/>
           </a:p>
@@ -2232,7 +2258,7 @@
             <a:fld id="{B6F15528-21DE-4FAA-801E-634DDDAF4B2B}" type="slidenum">
               <a:rPr lang="en-US" smtClean="0"/>
               <a:pPr/>
-              <a:t>‹nr.›</a:t>
+              <a:t>‹#›</a:t>
             </a:fld>
             <a:endParaRPr lang="en-US"/>
           </a:p>
@@ -2433,7 +2459,7 @@
             <a:fld id="{1D8BD707-D9CF-40AE-B4C6-C98DA3205C09}" type="datetimeFigureOut">
               <a:rPr lang="en-US" smtClean="0"/>
               <a:pPr/>
-              <a:t>11/12/2013</a:t>
+              <a:t>12/1/2014</a:t>
             </a:fld>
             <a:endParaRPr lang="en-US"/>
           </a:p>
@@ -2476,7 +2502,7 @@
             <a:fld id="{B6F15528-21DE-4FAA-801E-634DDDAF4B2B}" type="slidenum">
               <a:rPr lang="en-US" smtClean="0"/>
               <a:pPr/>
-              <a:t>‹nr.›</a:t>
+              <a:t>‹#›</a:t>
             </a:fld>
             <a:endParaRPr lang="en-US"/>
           </a:p>
@@ -2699,7 +2725,7 @@
             <a:fld id="{1D8BD707-D9CF-40AE-B4C6-C98DA3205C09}" type="datetimeFigureOut">
               <a:rPr lang="en-US" smtClean="0"/>
               <a:pPr/>
-              <a:t>11/12/2013</a:t>
+              <a:t>12/1/2014</a:t>
             </a:fld>
             <a:endParaRPr lang="en-US"/>
           </a:p>
@@ -2742,7 +2768,7 @@
             <a:fld id="{B6F15528-21DE-4FAA-801E-634DDDAF4B2B}" type="slidenum">
               <a:rPr lang="en-US" smtClean="0"/>
               <a:pPr/>
-              <a:t>‹nr.›</a:t>
+              <a:t>‹#›</a:t>
             </a:fld>
             <a:endParaRPr lang="en-US"/>
           </a:p>
@@ -3079,7 +3105,7 @@
             <a:fld id="{1D8BD707-D9CF-40AE-B4C6-C98DA3205C09}" type="datetimeFigureOut">
               <a:rPr lang="en-US" smtClean="0"/>
               <a:pPr/>
-              <a:t>11/12/2013</a:t>
+              <a:t>12/1/2014</a:t>
             </a:fld>
             <a:endParaRPr lang="en-US"/>
           </a:p>
@@ -3122,7 +3148,7 @@
             <a:fld id="{B6F15528-21DE-4FAA-801E-634DDDAF4B2B}" type="slidenum">
               <a:rPr lang="en-US" smtClean="0"/>
               <a:pPr/>
-              <a:t>‹nr.›</a:t>
+              <a:t>‹#›</a:t>
             </a:fld>
             <a:endParaRPr lang="en-US"/>
           </a:p>
@@ -3231,7 +3257,7 @@
             <a:fld id="{1D8BD707-D9CF-40AE-B4C6-C98DA3205C09}" type="datetimeFigureOut">
               <a:rPr lang="en-US" smtClean="0"/>
               <a:pPr/>
-              <a:t>11/12/2013</a:t>
+              <a:t>12/1/2014</a:t>
             </a:fld>
             <a:endParaRPr lang="en-US"/>
           </a:p>
@@ -3274,7 +3300,7 @@
             <a:fld id="{B6F15528-21DE-4FAA-801E-634DDDAF4B2B}" type="slidenum">
               <a:rPr lang="en-US" smtClean="0"/>
               <a:pPr/>
-              <a:t>‹nr.›</a:t>
+              <a:t>‹#›</a:t>
             </a:fld>
             <a:endParaRPr lang="en-US"/>
           </a:p>
@@ -3323,7 +3349,7 @@
             <a:fld id="{1D8BD707-D9CF-40AE-B4C6-C98DA3205C09}" type="datetimeFigureOut">
               <a:rPr lang="en-US" smtClean="0"/>
               <a:pPr/>
-              <a:t>11/12/2013</a:t>
+              <a:t>12/1/2014</a:t>
             </a:fld>
             <a:endParaRPr lang="en-US"/>
           </a:p>
@@ -3366,7 +3392,7 @@
             <a:fld id="{B6F15528-21DE-4FAA-801E-634DDDAF4B2B}" type="slidenum">
               <a:rPr lang="en-US" smtClean="0"/>
               <a:pPr/>
-              <a:t>‹nr.›</a:t>
+              <a:t>‹#›</a:t>
             </a:fld>
             <a:endParaRPr lang="en-US"/>
           </a:p>
@@ -3586,7 +3612,7 @@
             <a:fld id="{1D8BD707-D9CF-40AE-B4C6-C98DA3205C09}" type="datetimeFigureOut">
               <a:rPr lang="en-US" smtClean="0"/>
               <a:pPr/>
-              <a:t>11/12/2013</a:t>
+              <a:t>12/1/2014</a:t>
             </a:fld>
             <a:endParaRPr lang="en-US"/>
           </a:p>
@@ -3629,7 +3655,7 @@
             <a:fld id="{B6F15528-21DE-4FAA-801E-634DDDAF4B2B}" type="slidenum">
               <a:rPr lang="en-US" smtClean="0"/>
               <a:pPr/>
-              <a:t>‹nr.›</a:t>
+              <a:t>‹#›</a:t>
             </a:fld>
             <a:endParaRPr lang="en-US"/>
           </a:p>
@@ -3876,7 +3902,7 @@
             <a:fld id="{1D8BD707-D9CF-40AE-B4C6-C98DA3205C09}" type="datetimeFigureOut">
               <a:rPr lang="en-US" smtClean="0"/>
               <a:pPr/>
-              <a:t>11/12/2013</a:t>
+              <a:t>12/1/2014</a:t>
             </a:fld>
             <a:endParaRPr lang="en-US"/>
           </a:p>
@@ -3924,7 +3950,7 @@
             <a:fld id="{B6F15528-21DE-4FAA-801E-634DDDAF4B2B}" type="slidenum">
               <a:rPr lang="en-US" smtClean="0"/>
               <a:pPr/>
-              <a:t>‹nr.›</a:t>
+              <a:t>‹#›</a:t>
             </a:fld>
             <a:endParaRPr lang="en-US"/>
           </a:p>
@@ -4649,7 +4675,7 @@
             <a:fld id="{1D8BD707-D9CF-40AE-B4C6-C98DA3205C09}" type="datetimeFigureOut">
               <a:rPr lang="en-US" smtClean="0"/>
               <a:pPr/>
-              <a:t>11/12/2013</a:t>
+              <a:t>12/1/2014</a:t>
             </a:fld>
             <a:endParaRPr lang="en-US"/>
           </a:p>
@@ -4728,7 +4754,7 @@
             <a:fld id="{B6F15528-21DE-4FAA-801E-634DDDAF4B2B}" type="slidenum">
               <a:rPr lang="en-US" smtClean="0"/>
               <a:pPr/>
-              <a:t>‹nr.›</a:t>
+              <a:t>‹#›</a:t>
             </a:fld>
             <a:endParaRPr lang="en-US"/>
           </a:p>
@@ -14489,11 +14515,7 @@
           <a:p>
             <a:r>
               <a:rPr lang="en-US" sz="1000" dirty="0" smtClean="0"/>
-              <a:t>Image sources</a:t>
-            </a:r>
-            <a:r>
-              <a:rPr lang="en-US" sz="1000" dirty="0" smtClean="0"/>
-              <a:t>:</a:t>
+              <a:t>Image sources:</a:t>
             </a:r>
             <a:endParaRPr lang="en-US" sz="1000" dirty="0" smtClean="0">
               <a:hlinkClick r:id="rId3"/>
@@ -14869,11 +14891,7 @@
           <a:p>
             <a:r>
               <a:rPr lang="en-US" dirty="0" smtClean="0"/>
-              <a:t>Architecture </a:t>
-            </a:r>
-            <a:r>
-              <a:rPr lang="en-US" dirty="0" smtClean="0"/>
-              <a:t>description </a:t>
+              <a:t>Architecture description </a:t>
             </a:r>
             <a:r>
               <a:rPr lang="en-US" dirty="0" err="1" smtClean="0"/>
@@ -15913,6 +15931,15 @@
 </file>
 
 <file path=customXml/item1.xml><?xml version="1.0" encoding="utf-8"?>
+<?mso-contentType ?>
+<FormTemplates xmlns="http://schemas.microsoft.com/sharepoint/v3/contenttype/forms">
+  <Display>DocumentLibraryForm</Display>
+  <Edit>DocumentLibraryForm</Edit>
+  <New>DocumentLibraryForm</New>
+</FormTemplates>
+</file>
+
+<file path=customXml/item2.xml><?xml version="1.0" encoding="utf-8"?>
 <p:properties xmlns:p="http://schemas.microsoft.com/office/2006/metadata/properties" xmlns:xsi="http://www.w3.org/2001/XMLSchema-instance" xmlns:pc="http://schemas.microsoft.com/office/infopath/2007/PartnerControls">
   <documentManagement>
     <vak xmlns="8BEFD47E-E92C-44A2-BE92-BAD87DDA9534">BS42 Business Study 42</vak>
@@ -15923,15 +15950,6 @@
     <Categorie xmlns="8BEFD47E-E92C-44A2-BE92-BAD87DDA9534">Sheets</Categorie>
   </documentManagement>
 </p:properties>
-</file>
-
-<file path=customXml/item2.xml><?xml version="1.0" encoding="utf-8"?>
-<?mso-contentType ?>
-<FormTemplates xmlns="http://schemas.microsoft.com/sharepoint/v3/contenttype/forms">
-  <Display>DocumentLibraryForm</Display>
-  <Edit>DocumentLibraryForm</Edit>
-  <New>DocumentLibraryForm</New>
-</FormTemplates>
 </file>
 
 <file path=customXml/item3.xml><?xml version="1.0" encoding="utf-8"?>
@@ -16104,13 +16122,37 @@
 </file>
 
 <file path=customXml/itemProps1.xml><?xml version="1.0" encoding="utf-8"?>
-<ds:datastoreItem xmlns:ds="http://schemas.openxmlformats.org/officeDocument/2006/customXml" ds:itemID="{AB46EBA8-C8D2-4276-B8C9-9A399D6D63C5}"/>
+<ds:datastoreItem xmlns:ds="http://schemas.openxmlformats.org/officeDocument/2006/customXml" ds:itemID="{C6108029-F2F3-4A11-9CD5-EC4391972557}">
+  <ds:schemaRefs>
+    <ds:schemaRef ds:uri="http://schemas.microsoft.com/sharepoint/v3/contenttype/forms"/>
+  </ds:schemaRefs>
+</ds:datastoreItem>
 </file>
 
 <file path=customXml/itemProps2.xml><?xml version="1.0" encoding="utf-8"?>
-<ds:datastoreItem xmlns:ds="http://schemas.openxmlformats.org/officeDocument/2006/customXml" ds:itemID="{C6108029-F2F3-4A11-9CD5-EC4391972557}"/>
+<ds:datastoreItem xmlns:ds="http://schemas.openxmlformats.org/officeDocument/2006/customXml" ds:itemID="{AB46EBA8-C8D2-4276-B8C9-9A399D6D63C5}">
+  <ds:schemaRefs>
+    <ds:schemaRef ds:uri="http://schemas.microsoft.com/office/2006/metadata/properties"/>
+    <ds:schemaRef ds:uri="http://schemas.microsoft.com/office/infopath/2007/PartnerControls"/>
+    <ds:schemaRef ds:uri="8BEFD47E-E92C-44A2-BE92-BAD87DDA9534"/>
+  </ds:schemaRefs>
+</ds:datastoreItem>
 </file>
 
 <file path=customXml/itemProps3.xml><?xml version="1.0" encoding="utf-8"?>
-<ds:datastoreItem xmlns:ds="http://schemas.openxmlformats.org/officeDocument/2006/customXml" ds:itemID="{2121B2AC-D2A7-4B75-8667-46CBB7A716DE}"/>
+<ds:datastoreItem xmlns:ds="http://schemas.openxmlformats.org/officeDocument/2006/customXml" ds:itemID="{2121B2AC-D2A7-4B75-8667-46CBB7A716DE}">
+  <ds:schemaRefs>
+    <ds:schemaRef ds:uri="http://schemas.microsoft.com/office/2006/metadata/contentType"/>
+    <ds:schemaRef ds:uri="http://schemas.microsoft.com/office/2006/metadata/properties/metaAttributes"/>
+    <ds:schemaRef ds:uri="http://www.w3.org/2001/XMLSchema"/>
+    <ds:schemaRef ds:uri="http://schemas.microsoft.com/office/2006/metadata/properties"/>
+    <ds:schemaRef ds:uri="8BEFD47E-E92C-44A2-BE92-BAD87DDA9534"/>
+    <ds:schemaRef ds:uri="http://schemas.microsoft.com/office/2006/documentManagement/types"/>
+    <ds:schemaRef ds:uri="http://schemas.microsoft.com/office/infopath/2007/PartnerControls"/>
+    <ds:schemaRef ds:uri="http://schemas.openxmlformats.org/package/2006/metadata/core-properties"/>
+    <ds:schemaRef ds:uri="http://purl.org/dc/elements/1.1/"/>
+    <ds:schemaRef ds:uri="http://purl.org/dc/terms/"/>
+    <ds:schemaRef ds:uri="http://schemas.microsoft.com/internal/obd"/>
+  </ds:schemaRefs>
+</ds:datastoreItem>
 </file>